--- a/ゼミ発表資料/1821005_1122.pptx
+++ b/ゼミ発表資料/1821005_1122.pptx
@@ -752,6 +752,97 @@
     <p:extLst>
       <p:ext uri="{BB962C8B-B14F-4D97-AF65-F5344CB8AC3E}">
         <p14:creationId xmlns:p14="http://schemas.microsoft.com/office/powerpoint/2010/main" val="3414813227"/>
+      </p:ext>
+    </p:extLst>
+  </p:cSld>
+  <p:clrMapOvr>
+    <a:masterClrMapping/>
+  </p:clrMapOvr>
+</p:notes>
+</file>
+
+<file path=ppt/notesSlides/notesSlide3.xml><?xml version="1.0" encoding="utf-8"?>
+<p:notes xmlns:a="http://schemas.openxmlformats.org/drawingml/2006/main" xmlns:r="http://schemas.openxmlformats.org/officeDocument/2006/relationships" xmlns:p="http://schemas.openxmlformats.org/presentationml/2006/main">
+  <p:cSld>
+    <p:spTree>
+      <p:nvGrpSpPr>
+        <p:cNvPr id="1" name=""/>
+        <p:cNvGrpSpPr/>
+        <p:nvPr/>
+      </p:nvGrpSpPr>
+      <p:grpSpPr>
+        <a:xfrm>
+          <a:off x="0" y="0"/>
+          <a:ext cx="0" cy="0"/>
+          <a:chOff x="0" y="0"/>
+          <a:chExt cx="0" cy="0"/>
+        </a:xfrm>
+      </p:grpSpPr>
+      <p:sp>
+        <p:nvSpPr>
+          <p:cNvPr id="2" name="スライド イメージ プレースホルダー 1"/>
+          <p:cNvSpPr>
+            <a:spLocks noGrp="1" noRot="1" noChangeAspect="1"/>
+          </p:cNvSpPr>
+          <p:nvPr>
+            <p:ph type="sldImg"/>
+          </p:nvPr>
+        </p:nvSpPr>
+        <p:spPr/>
+      </p:sp>
+      <p:sp>
+        <p:nvSpPr>
+          <p:cNvPr id="3" name="ノート プレースホルダー 2"/>
+          <p:cNvSpPr>
+            <a:spLocks noGrp="1"/>
+          </p:cNvSpPr>
+          <p:nvPr>
+            <p:ph type="body" idx="1"/>
+          </p:nvPr>
+        </p:nvSpPr>
+        <p:spPr/>
+        <p:txBody>
+          <a:bodyPr/>
+          <a:lstStyle/>
+          <a:p>
+            <a:r>
+              <a:rPr kumimoji="1" lang="ja-JP" altLang="en-US" dirty="0" smtClean="0"/>
+              <a:t>ユークリッド距離は、人が定規で引いたような線の距離，直線</a:t>
+            </a:r>
+            <a:endParaRPr kumimoji="1" lang="en-US" altLang="ja-JP" dirty="0" smtClean="0"/>
+          </a:p>
+          <a:p>
+            <a:endParaRPr kumimoji="1" lang="ja-JP" altLang="en-US" dirty="0"/>
+          </a:p>
+        </p:txBody>
+      </p:sp>
+      <p:sp>
+        <p:nvSpPr>
+          <p:cNvPr id="4" name="スライド番号プレースホルダー 3"/>
+          <p:cNvSpPr>
+            <a:spLocks noGrp="1"/>
+          </p:cNvSpPr>
+          <p:nvPr>
+            <p:ph type="sldNum" sz="quarter" idx="10"/>
+          </p:nvPr>
+        </p:nvSpPr>
+        <p:spPr/>
+        <p:txBody>
+          <a:bodyPr/>
+          <a:lstStyle/>
+          <a:p>
+            <a:fld id="{4443CE40-FC38-4584-BE39-B2B04D0D6E7E}" type="slidenum">
+              <a:rPr kumimoji="1" lang="ja-JP" altLang="en-US" smtClean="0"/>
+              <a:t>25</a:t>
+            </a:fld>
+            <a:endParaRPr kumimoji="1" lang="ja-JP" altLang="en-US"/>
+          </a:p>
+        </p:txBody>
+      </p:sp>
+    </p:spTree>
+    <p:extLst>
+      <p:ext uri="{BB962C8B-B14F-4D97-AF65-F5344CB8AC3E}">
+        <p14:creationId xmlns:p14="http://schemas.microsoft.com/office/powerpoint/2010/main" val="469185378"/>
       </p:ext>
     </p:extLst>
   </p:cSld>
@@ -3928,9 +4019,13 @@
           <a:p>
             <a:r>
               <a:rPr kumimoji="1" lang="ja-JP" altLang="en-US" dirty="0" smtClean="0"/>
-              <a:t>画像検索のための画像特徴ベクトルの次元数に着目した認識精度と計算コストの関係性の調査</a:t>
-            </a:r>
-            <a:endParaRPr kumimoji="1" lang="ja-JP" altLang="en-US" dirty="0"/>
+              <a:t>画像検索のための画像特徴ベクトルの次元数に着目した認識精度と計算コストの関係性</a:t>
+            </a:r>
+            <a:r>
+              <a:rPr kumimoji="1" lang="ja-JP" altLang="en-US" strike="sngStrike" dirty="0" smtClean="0"/>
+              <a:t>の調査</a:t>
+            </a:r>
+            <a:endParaRPr kumimoji="1" lang="ja-JP" altLang="en-US" strike="sngStrike" dirty="0"/>
           </a:p>
         </p:txBody>
       </p:sp>
@@ -3951,8 +4046,9 @@
           <a:p>
             <a:r>
               <a:rPr kumimoji="1" lang="en-US" altLang="ja-JP" dirty="0" smtClean="0"/>
-              <a:t>2021/11/15</a:t>
-            </a:r>
+              <a:t>2021/11/22</a:t>
+            </a:r>
+            <a:endParaRPr kumimoji="1" lang="en-US" altLang="ja-JP" dirty="0" smtClean="0"/>
           </a:p>
           <a:p>
             <a:r>
@@ -5083,6 +5179,13 @@
   <p:clrMapOvr>
     <a:masterClrMapping/>
   </p:clrMapOvr>
+  <p:timing>
+    <p:tnLst>
+      <p:par>
+        <p:cTn id="1" dur="indefinite" restart="never" nodeType="tmRoot"/>
+      </p:par>
+    </p:tnLst>
+  </p:timing>
 </p:sld>
 </file>
 
@@ -7854,6 +7957,13 @@
   <p:clrMapOvr>
     <a:masterClrMapping/>
   </p:clrMapOvr>
+  <p:timing>
+    <p:tnLst>
+      <p:par>
+        <p:cTn id="1" dur="indefinite" restart="never" nodeType="tmRoot"/>
+      </p:par>
+    </p:tnLst>
+  </p:timing>
 </p:sld>
 </file>
 
@@ -7986,6 +8096,13 @@
   <p:clrMapOvr>
     <a:masterClrMapping/>
   </p:clrMapOvr>
+  <p:timing>
+    <p:tnLst>
+      <p:par>
+        <p:cTn id="1" dur="indefinite" restart="never" nodeType="tmRoot"/>
+      </p:par>
+    </p:tnLst>
+  </p:timing>
 </p:sld>
 </file>
 
@@ -8077,8 +8194,8 @@
               <a:t>上位</a:t>
             </a:r>
             <a:r>
-              <a:rPr kumimoji="1" lang="ja-JP" altLang="en-US" dirty="0" err="1" smtClean="0"/>
-              <a:t>ｘ</a:t>
+              <a:rPr lang="en-US" altLang="ja-JP" dirty="0" err="1" smtClean="0"/>
+              <a:t>num</a:t>
             </a:r>
             <a:r>
               <a:rPr lang="ja-JP" altLang="en-US" dirty="0" smtClean="0"/>
@@ -8145,6 +8262,13 @@
   <p:clrMapOvr>
     <a:masterClrMapping/>
   </p:clrMapOvr>
+  <p:timing>
+    <p:tnLst>
+      <p:par>
+        <p:cTn id="1" dur="indefinite" restart="never" nodeType="tmRoot"/>
+      </p:par>
+    </p:tnLst>
+  </p:timing>
 </p:sld>
 </file>
 
@@ -9529,6 +9653,13 @@
   <p:clrMapOvr>
     <a:masterClrMapping/>
   </p:clrMapOvr>
+  <p:timing>
+    <p:tnLst>
+      <p:par>
+        <p:cTn id="1" dur="indefinite" restart="never" nodeType="tmRoot"/>
+      </p:par>
+    </p:tnLst>
+  </p:timing>
 </p:sld>
 </file>
 
@@ -10501,6 +10632,13 @@
   <p:clrMapOvr>
     <a:masterClrMapping/>
   </p:clrMapOvr>
+  <p:timing>
+    <p:tnLst>
+      <p:par>
+        <p:cTn id="1" dur="indefinite" restart="never" nodeType="tmRoot"/>
+      </p:par>
+    </p:tnLst>
+  </p:timing>
 </p:sld>
 </file>
 
